--- a/stenography.pptx
+++ b/stenography.pptx
@@ -4367,7 +4367,7 @@
                 <a:latin typeface="Arial"/>
                 <a:cs typeface="Arial"/>
               </a:rPr>
-              <a:t>College Name &amp; Department : EEE &amp; Aurora College of Technology and Sciences </a:t>
+              <a:t>College Name &amp; Department : Aurora College of Technology and Sciences &amp;EEE</a:t>
             </a:r>
           </a:p>
           <a:p>
@@ -4521,7 +4521,12 @@
             <p:ph idx="1"/>
           </p:nvPr>
         </p:nvSpPr>
-        <p:spPr/>
+        <p:spPr>
+          <a:xfrm>
+            <a:off x="409742" y="1400175"/>
+            <a:ext cx="11029615" cy="2203450"/>
+          </a:xfrm>
+        </p:spPr>
         <p:txBody>
           <a:bodyPr/>
           <a:lstStyle/>
@@ -4618,7 +4623,12 @@
             <p:ph idx="1"/>
           </p:nvPr>
         </p:nvSpPr>
-        <p:spPr/>
+        <p:spPr>
+          <a:xfrm>
+            <a:off x="123992" y="303765"/>
+            <a:ext cx="11029615" cy="4673324"/>
+          </a:xfrm>
+        </p:spPr>
         <p:txBody>
           <a:bodyPr/>
           <a:lstStyle/>
@@ -6079,10 +6089,10 @@
       </p:grpSpPr>
       <p:pic>
         <p:nvPicPr>
-          <p:cNvPr id="3" name="Picture 2">
+          <p:cNvPr id="2" name="Picture 1">
             <a:extLst>
               <a:ext uri="{FF2B5EF4-FFF2-40B4-BE49-F238E27FC236}">
-                <a16:creationId xmlns:a16="http://schemas.microsoft.com/office/drawing/2014/main" id="{6377B4BA-6AE4-43F4-99F7-66C1C96A6C14}"/>
+                <a16:creationId xmlns:a16="http://schemas.microsoft.com/office/drawing/2014/main" id="{6DC871FB-C803-49A0-97AF-C4699DC0121C}"/>
               </a:ext>
             </a:extLst>
           </p:cNvPr>
@@ -6099,8 +6109,8 @@
         </p:blipFill>
         <p:spPr>
           <a:xfrm>
-            <a:off x="957263" y="1171575"/>
-            <a:ext cx="8886825" cy="5420166"/>
+            <a:off x="2914206" y="1200150"/>
+            <a:ext cx="6363588" cy="5386828"/>
           </a:xfrm>
           <a:prstGeom prst="rect">
             <a:avLst/>
@@ -6685,20 +6695,20 @@
 </file>
 
 <file path=customXml/item1.xml><?xml version="1.0" encoding="utf-8"?>
+<p:properties xmlns:p="http://schemas.microsoft.com/office/2006/metadata/properties" xmlns:xsi="http://www.w3.org/2001/XMLSchema-instance" xmlns:pc="http://schemas.microsoft.com/office/infopath/2007/PartnerControls">
+  <documentManagement>
+    <_activity xmlns="b30265f8-c5e2-4918-b4a1-b977299ca3e2" xsi:nil="true"/>
+  </documentManagement>
+</p:properties>
+</file>
+
+<file path=customXml/item2.xml><?xml version="1.0" encoding="utf-8"?>
 <?mso-contentType ?>
 <FormTemplates xmlns="http://schemas.microsoft.com/sharepoint/v3/contenttype/forms">
   <Display>DocumentLibraryForm</Display>
   <Edit>DocumentLibraryForm</Edit>
   <New>DocumentLibraryForm</New>
 </FormTemplates>
-</file>
-
-<file path=customXml/item2.xml><?xml version="1.0" encoding="utf-8"?>
-<p:properties xmlns:p="http://schemas.microsoft.com/office/2006/metadata/properties" xmlns:xsi="http://www.w3.org/2001/XMLSchema-instance" xmlns:pc="http://schemas.microsoft.com/office/infopath/2007/PartnerControls">
-  <documentManagement>
-    <_activity xmlns="b30265f8-c5e2-4918-b4a1-b977299ca3e2" xsi:nil="true"/>
-  </documentManagement>
-</p:properties>
 </file>
 
 <file path=customXml/item3.xml><?xml version="1.0" encoding="utf-8"?>
@@ -6935,26 +6945,26 @@
 </file>
 
 <file path=customXml/itemProps1.xml><?xml version="1.0" encoding="utf-8"?>
-<ds:datastoreItem xmlns:ds="http://schemas.openxmlformats.org/officeDocument/2006/customXml" ds:itemID="{927BD4C1-B6B1-4715-ABF9-E660A51A4EA0}">
+<ds:datastoreItem xmlns:ds="http://schemas.openxmlformats.org/officeDocument/2006/customXml" ds:itemID="{8D289AE2-D2AE-49D1-AFAC-3A79F6794255}">
   <ds:schemaRefs>
-    <ds:schemaRef ds:uri="http://schemas.microsoft.com/sharepoint/v3/contenttype/forms"/>
+    <ds:schemaRef ds:uri="http://purl.org/dc/elements/1.1/"/>
+    <ds:schemaRef ds:uri="http://purl.org/dc/terms/"/>
+    <ds:schemaRef ds:uri="http://purl.org/dc/dcmitype/"/>
+    <ds:schemaRef ds:uri="http://schemas.microsoft.com/office/2006/metadata/properties"/>
+    <ds:schemaRef ds:uri="http://www.w3.org/XML/1998/namespace"/>
+    <ds:schemaRef ds:uri="http://schemas.microsoft.com/office/infopath/2007/PartnerControls"/>
+    <ds:schemaRef ds:uri="http://schemas.microsoft.com/office/2006/documentManagement/types"/>
+    <ds:schemaRef ds:uri="http://schemas.openxmlformats.org/package/2006/metadata/core-properties"/>
+    <ds:schemaRef ds:uri="fadb41d3-f9cb-40fb-903c-8cacaba95bb5"/>
+    <ds:schemaRef ds:uri="b30265f8-c5e2-4918-b4a1-b977299ca3e2"/>
   </ds:schemaRefs>
 </ds:datastoreItem>
 </file>
 
 <file path=customXml/itemProps2.xml><?xml version="1.0" encoding="utf-8"?>
-<ds:datastoreItem xmlns:ds="http://schemas.openxmlformats.org/officeDocument/2006/customXml" ds:itemID="{8D289AE2-D2AE-49D1-AFAC-3A79F6794255}">
+<ds:datastoreItem xmlns:ds="http://schemas.openxmlformats.org/officeDocument/2006/customXml" ds:itemID="{927BD4C1-B6B1-4715-ABF9-E660A51A4EA0}">
   <ds:schemaRefs>
-    <ds:schemaRef ds:uri="http://schemas.openxmlformats.org/package/2006/metadata/core-properties"/>
-    <ds:schemaRef ds:uri="http://schemas.microsoft.com/office/2006/metadata/properties"/>
-    <ds:schemaRef ds:uri="http://schemas.microsoft.com/office/2006/documentManagement/types"/>
-    <ds:schemaRef ds:uri="http://purl.org/dc/terms/"/>
-    <ds:schemaRef ds:uri="http://purl.org/dc/elements/1.1/"/>
-    <ds:schemaRef ds:uri="http://schemas.microsoft.com/office/infopath/2007/PartnerControls"/>
-    <ds:schemaRef ds:uri="http://www.w3.org/XML/1998/namespace"/>
-    <ds:schemaRef ds:uri="fadb41d3-f9cb-40fb-903c-8cacaba95bb5"/>
-    <ds:schemaRef ds:uri="b30265f8-c5e2-4918-b4a1-b977299ca3e2"/>
-    <ds:schemaRef ds:uri="http://purl.org/dc/dcmitype/"/>
+    <ds:schemaRef ds:uri="http://schemas.microsoft.com/sharepoint/v3/contenttype/forms"/>
   </ds:schemaRefs>
 </ds:datastoreItem>
 </file>
